--- a/presentation/softeng_video_presentation.pptx
+++ b/presentation/softeng_video_presentation.pptx
@@ -6726,7 +6726,7 @@
             <a:tbl>
               <a:tblPr>
                 <a:noFill/>
-                <a:tableStyleId>{EB14ADDC-53EC-4B9F-A1F6-79AD5E9D9FA4}</a:tableStyleId>
+                <a:tableStyleId>{26DE5714-A9D4-4D95-BDDA-86FFED83EA75}</a:tableStyleId>
               </a:tblPr>
               <a:tblGrid>
                 <a:gridCol w="2493350"/>
@@ -8286,7 +8286,7 @@
             <a:tbl>
               <a:tblPr>
                 <a:noFill/>
-                <a:tableStyleId>{EB14ADDC-53EC-4B9F-A1F6-79AD5E9D9FA4}</a:tableStyleId>
+                <a:tableStyleId>{26DE5714-A9D4-4D95-BDDA-86FFED83EA75}</a:tableStyleId>
               </a:tblPr>
               <a:tblGrid>
                 <a:gridCol w="2493350"/>
@@ -10677,7 +10677,7 @@
             <a:tbl>
               <a:tblPr>
                 <a:noFill/>
-                <a:tableStyleId>{EB14ADDC-53EC-4B9F-A1F6-79AD5E9D9FA4}</a:tableStyleId>
+                <a:tableStyleId>{26DE5714-A9D4-4D95-BDDA-86FFED83EA75}</a:tableStyleId>
               </a:tblPr>
               <a:tblGrid>
                 <a:gridCol w="1568625"/>
@@ -12923,7 +12923,7 @@
             <a:tbl>
               <a:tblPr bandRow="1" firstRow="1">
                 <a:noFill/>
-                <a:tableStyleId>{EB14ADDC-53EC-4B9F-A1F6-79AD5E9D9FA4}</a:tableStyleId>
+                <a:tableStyleId>{26DE5714-A9D4-4D95-BDDA-86FFED83EA75}</a:tableStyleId>
               </a:tblPr>
               <a:tblGrid>
                 <a:gridCol w="1512175"/>
@@ -13431,7 +13431,7 @@
             <a:tbl>
               <a:tblPr>
                 <a:noFill/>
-                <a:tableStyleId>{EB14ADDC-53EC-4B9F-A1F6-79AD5E9D9FA4}</a:tableStyleId>
+                <a:tableStyleId>{26DE5714-A9D4-4D95-BDDA-86FFED83EA75}</a:tableStyleId>
               </a:tblPr>
               <a:tblGrid>
                 <a:gridCol w="2493350"/>
@@ -14650,7 +14650,7 @@
             <a:tbl>
               <a:tblPr>
                 <a:noFill/>
-                <a:tableStyleId>{EB14ADDC-53EC-4B9F-A1F6-79AD5E9D9FA4}</a:tableStyleId>
+                <a:tableStyleId>{26DE5714-A9D4-4D95-BDDA-86FFED83EA75}</a:tableStyleId>
               </a:tblPr>
               <a:tblGrid>
                 <a:gridCol w="9289025"/>
@@ -14761,37 +14761,6 @@
                       </a:pPr>
                       <a:r>
                         <a:rPr lang="el-GR" sz="1200"/>
-                        <a:t>Λόγω του μικρού αριθμού μελών, η χρήση του github για Project Management δεν ήταν πολύ ουσιαστική. Πραγματοποιήθηκαν περισσότερες περιπτώσεις χρήσης από τις ζητούμενες για μεγαλύτερη πληρότητα του Project.</a:t>
-                      </a:r>
-                      <a:endParaRPr sz="1200"/>
-                    </a:p>
-                    <a:p>
-                      <a:pPr indent="0" lvl="0" marL="0" marR="0" rtl="0" algn="l">
-                        <a:spcBef>
-                          <a:spcPts val="0"/>
-                        </a:spcBef>
-                        <a:spcAft>
-                          <a:spcPts val="0"/>
-                        </a:spcAft>
-                        <a:buNone/>
-                      </a:pPr>
-                      <a:r>
-                        <a:t/>
-                      </a:r>
-                      <a:endParaRPr sz="1200"/>
-                    </a:p>
-                    <a:p>
-                      <a:pPr indent="0" lvl="0" marL="0" marR="0" rtl="0" algn="l">
-                        <a:spcBef>
-                          <a:spcPts val="0"/>
-                        </a:spcBef>
-                        <a:spcAft>
-                          <a:spcPts val="0"/>
-                        </a:spcAft>
-                        <a:buNone/>
-                      </a:pPr>
-                      <a:r>
-                        <a:rPr lang="el-GR" sz="1200"/>
                         <a:t>Για την εκτέλεση της εφαρμογής, δημιουργήσαμε ένα bash script που αυτοματοποιεί όλη τη διαδικασία, από την εγκατάσταση εξαρτήσεων μέχρι την εκκίνηση των servers, σύμφωνα με τις οδηγίες που παρέχονται στο αρχείο README στο GitHub.</a:t>
                       </a:r>
                       <a:endParaRPr sz="1200"/>
@@ -14807,23 +14776,8 @@
                         <a:buNone/>
                       </a:pPr>
                       <a:r>
-                        <a:t/>
-                      </a:r>
-                      <a:endParaRPr sz="1200"/>
-                    </a:p>
-                    <a:p>
-                      <a:pPr indent="0" lvl="0" marL="0" marR="0" rtl="0" algn="l">
-                        <a:spcBef>
-                          <a:spcPts val="0"/>
-                        </a:spcBef>
-                        <a:spcAft>
-                          <a:spcPts val="0"/>
-                        </a:spcAft>
-                        <a:buNone/>
-                      </a:pPr>
-                      <a:r>
                         <a:rPr lang="el-GR" sz="1200"/>
-                        <a:t>Το bash script υπάρχει στο github repo της εργασίας, στον ακόλουθο σύνδεσμο: </a:t>
+                        <a:t>Το bash script υπάρχει στο github repo της εργασίας μας: </a:t>
                       </a:r>
                       <a:r>
                         <a:rPr lang="el-GR" sz="1200" u="sng">
@@ -14834,83 +14788,13 @@
                         </a:rPr>
                         <a:t>https://github.com/ntua/softeng23-21/tree/main/presentation</a:t>
                       </a:r>
-                      <a:endParaRPr sz="1200"/>
-                    </a:p>
-                    <a:p>
-                      <a:pPr indent="0" lvl="0" marL="0" marR="0" rtl="0" algn="l">
-                        <a:spcBef>
-                          <a:spcPts val="0"/>
-                        </a:spcBef>
-                        <a:spcAft>
-                          <a:spcPts val="0"/>
-                        </a:spcAft>
-                        <a:buNone/>
-                      </a:pPr>
-                      <a:r>
-                        <a:t/>
-                      </a:r>
-                      <a:endParaRPr sz="1200"/>
-                    </a:p>
-                    <a:p>
-                      <a:pPr indent="0" lvl="0" marL="0" marR="0" rtl="0" algn="l">
-                        <a:spcBef>
-                          <a:spcPts val="0"/>
-                        </a:spcBef>
-                        <a:spcAft>
-                          <a:spcPts val="0"/>
-                        </a:spcAft>
-                        <a:buNone/>
-                      </a:pPr>
                       <a:r>
                         <a:rPr lang="el-GR" sz="1200"/>
-                        <a:t>Θα μπορούσαμε να επιδείξουμε endpoints για διάφορα σενάρια όπως π.χ authentication, εγγραφές αλλά λόγω περιορισμένου χρόνου </a:t>
+                        <a:t>. Εκεί βρίσκεται και το script που χρησιμοποιείται στο βίντεο για την εκτέλεση των εντολών του CLI (se2321_script.sh). Θα μπορούσαμε να επιδείξουμε διάφορα σενάρια για όλα τα endpoints όπως π.χ authentication error, server error, κλπ, αλλά λόγω περιορισμένου χρόνου υλοποιήσαμε κάποια ενδεικτικά. Επιπλέον, για τα διαχειριστικά endpoints σχετικά με το ανέβασμα αρχείων tsv στο βίντεο παρουσιάζονται μόνο δύο, αφού τα υπόλοιπα είναι υλοποιημένα ανάλογα. Ακόμη, αξίζει να σημειωθεί πως υπάρχουν middlewares τα οποία υλοποιούν τον έλεγχο σχετικά με το αν ο χρήστης είναι συνδεδεμένος ή/και αν είναι διαχειριστής πριν την κλήση των αντίστοιχων endpoints αλλά και πως ένας χρήστης μπορεί να υποβάλει, να διαγράψει ή να δει ratings που έχει κάνει μόνο ο ίδιος. Το endpoint για την εισαγωγή/ανανέωση των στοιχείων ενός χρήστη έχει τροποποιηθεί έτσι ώστε να δίνονται ως παράμετροι στο request body το email και η ιδιότητα του χρήστη, δηλαδή αν είναι διαχειριστής ή όχι. Τέλος, σχετικά με τα recommendations, χρησιμοποιείται αρχικά ένα endpoint το οποίο επιστρέφει περιορισμένες λεπτομέρειες για μια ταινία με βάση το ID της (genres, leading actors, directors) και με βάση αυτά εξάγονται τα recommendations από το σχετικό endpoint. Σχετικά με το API testing, στο βίντεο φαίνεται η εκτέλεση μόνο ενός σεναρίου για ένα συγκεκριμένο endpoint. Ωστόσο, έχουν υλοποιηθεί test cases που καλύπτουν όλες τις περιπτώσεις (ή όσες κρίναμε απαραίτητες) για όλα τα endpoints. Το CLI functional testing ουσιαστικά ελέγχει αν οι εντολές του CLI έχουν τα αναμενόμενα αποτελέσματα, ενώ το unit testing ελέγχει κυρίως αν οι κλήσεις στο API πραγματοποιούνται σωστά. </a:t>
                       </a:r>
-                      <a:endParaRPr sz="1200"/>
-                    </a:p>
-                    <a:p>
-                      <a:pPr indent="0" lvl="0" marL="0" marR="0" rtl="0" algn="l">
-                        <a:spcBef>
-                          <a:spcPts val="0"/>
-                        </a:spcBef>
-                        <a:spcAft>
-                          <a:spcPts val="0"/>
-                        </a:spcAft>
-                        <a:buNone/>
-                      </a:pPr>
                       <a:r>
                         <a:rPr lang="el-GR" sz="1200"/>
-                        <a:t>υλοποιήσαμε κάποια ενδεικτικά. </a:t>
-                      </a:r>
-                      <a:endParaRPr sz="1200"/>
-                    </a:p>
-                    <a:p>
-                      <a:pPr indent="0" lvl="0" marL="0" marR="0" rtl="0" algn="l">
-                        <a:spcBef>
-                          <a:spcPts val="0"/>
-                        </a:spcBef>
-                        <a:spcAft>
-                          <a:spcPts val="0"/>
-                        </a:spcAft>
-                        <a:buNone/>
-                      </a:pPr>
-                      <a:r>
-                        <a:t/>
-                      </a:r>
-                      <a:endParaRPr sz="1200"/>
-                    </a:p>
-                    <a:p>
-                      <a:pPr indent="0" lvl="0" marL="0" marR="0" rtl="0" algn="l">
-                        <a:spcBef>
-                          <a:spcPts val="0"/>
-                        </a:spcBef>
-                        <a:spcAft>
-                          <a:spcPts val="0"/>
-                        </a:spcAft>
-                        <a:buNone/>
-                      </a:pPr>
-                      <a:r>
-                        <a:rPr lang="el-GR" sz="1200"/>
-                        <a:t>Αναλυτικότερες οδηγίες για τη χρήση, την εγκατάσταση, το testing της εργασίας υπάρχουν στο εκτενές και λεπτομερές README στο github repo της εργασίας. </a:t>
+                        <a:t>Αναλυτικότερες οδηγίες για τη χρήση, την εγκατάσταση, το testing της εργασίας υπάρχουν στο εκτενές και λεπτομερές README στο github repo της εργασίας. Πιστεύουμε πως αυτό σε συνδυασμό με το αναλυτικό documentation (VP και API) συνθέτουν μια πλήρη εικόνα της εργασίας μας.</a:t>
                       </a:r>
                       <a:endParaRPr sz="1200"/>
                     </a:p>
@@ -15043,7 +14927,7 @@
             <a:tbl>
               <a:tblPr>
                 <a:noFill/>
-                <a:tableStyleId>{EB14ADDC-53EC-4B9F-A1F6-79AD5E9D9FA4}</a:tableStyleId>
+                <a:tableStyleId>{26DE5714-A9D4-4D95-BDDA-86FFED83EA75}</a:tableStyleId>
               </a:tblPr>
               <a:tblGrid>
                 <a:gridCol w="2484275"/>
@@ -20466,7 +20350,7 @@
             <a:tbl>
               <a:tblPr>
                 <a:noFill/>
-                <a:tableStyleId>{EB14ADDC-53EC-4B9F-A1F6-79AD5E9D9FA4}</a:tableStyleId>
+                <a:tableStyleId>{26DE5714-A9D4-4D95-BDDA-86FFED83EA75}</a:tableStyleId>
               </a:tblPr>
               <a:tblGrid>
                 <a:gridCol w="2484275"/>
